--- a/Arboles/SwitchCase.pptx
+++ b/Arboles/SwitchCase.pptx
@@ -106,6 +106,11 @@
       </a:defRPr>
     </a:lvl9pPr>
   </p:defaultTextStyle>
+  <p:extLst>
+    <p:ext uri="{EFAFB233-063F-42B5-8137-9DF3F51BA10A}">
+      <p15:sldGuideLst xmlns:p15="http://schemas.microsoft.com/office/powerpoint/2012/main"/>
+    </p:ext>
+  </p:extLst>
 </p:presentation>
 </file>
 
@@ -240,7 +245,7 @@
           <a:p>
             <a:fld id="{A24D1F3A-D1EF-447E-A819-3BB187B73454}" type="datetimeFigureOut">
               <a:rPr lang="en-US" smtClean="0"/>
-              <a:t>7/18/2022</a:t>
+              <a:t>8/1/2022</a:t>
             </a:fld>
             <a:endParaRPr lang="en-US"/>
           </a:p>
@@ -410,7 +415,7 @@
           <a:p>
             <a:fld id="{A24D1F3A-D1EF-447E-A819-3BB187B73454}" type="datetimeFigureOut">
               <a:rPr lang="en-US" smtClean="0"/>
-              <a:t>7/18/2022</a:t>
+              <a:t>8/1/2022</a:t>
             </a:fld>
             <a:endParaRPr lang="en-US"/>
           </a:p>
@@ -590,7 +595,7 @@
           <a:p>
             <a:fld id="{A24D1F3A-D1EF-447E-A819-3BB187B73454}" type="datetimeFigureOut">
               <a:rPr lang="en-US" smtClean="0"/>
-              <a:t>7/18/2022</a:t>
+              <a:t>8/1/2022</a:t>
             </a:fld>
             <a:endParaRPr lang="en-US"/>
           </a:p>
@@ -760,7 +765,7 @@
           <a:p>
             <a:fld id="{A24D1F3A-D1EF-447E-A819-3BB187B73454}" type="datetimeFigureOut">
               <a:rPr lang="en-US" smtClean="0"/>
-              <a:t>7/18/2022</a:t>
+              <a:t>8/1/2022</a:t>
             </a:fld>
             <a:endParaRPr lang="en-US"/>
           </a:p>
@@ -1006,7 +1011,7 @@
           <a:p>
             <a:fld id="{A24D1F3A-D1EF-447E-A819-3BB187B73454}" type="datetimeFigureOut">
               <a:rPr lang="en-US" smtClean="0"/>
-              <a:t>7/18/2022</a:t>
+              <a:t>8/1/2022</a:t>
             </a:fld>
             <a:endParaRPr lang="en-US"/>
           </a:p>
@@ -1238,7 +1243,7 @@
           <a:p>
             <a:fld id="{A24D1F3A-D1EF-447E-A819-3BB187B73454}" type="datetimeFigureOut">
               <a:rPr lang="en-US" smtClean="0"/>
-              <a:t>7/18/2022</a:t>
+              <a:t>8/1/2022</a:t>
             </a:fld>
             <a:endParaRPr lang="en-US"/>
           </a:p>
@@ -1605,7 +1610,7 @@
           <a:p>
             <a:fld id="{A24D1F3A-D1EF-447E-A819-3BB187B73454}" type="datetimeFigureOut">
               <a:rPr lang="en-US" smtClean="0"/>
-              <a:t>7/18/2022</a:t>
+              <a:t>8/1/2022</a:t>
             </a:fld>
             <a:endParaRPr lang="en-US"/>
           </a:p>
@@ -1723,7 +1728,7 @@
           <a:p>
             <a:fld id="{A24D1F3A-D1EF-447E-A819-3BB187B73454}" type="datetimeFigureOut">
               <a:rPr lang="en-US" smtClean="0"/>
-              <a:t>7/18/2022</a:t>
+              <a:t>8/1/2022</a:t>
             </a:fld>
             <a:endParaRPr lang="en-US"/>
           </a:p>
@@ -1818,7 +1823,7 @@
           <a:p>
             <a:fld id="{A24D1F3A-D1EF-447E-A819-3BB187B73454}" type="datetimeFigureOut">
               <a:rPr lang="en-US" smtClean="0"/>
-              <a:t>7/18/2022</a:t>
+              <a:t>8/1/2022</a:t>
             </a:fld>
             <a:endParaRPr lang="en-US"/>
           </a:p>
@@ -2095,7 +2100,7 @@
           <a:p>
             <a:fld id="{A24D1F3A-D1EF-447E-A819-3BB187B73454}" type="datetimeFigureOut">
               <a:rPr lang="en-US" smtClean="0"/>
-              <a:t>7/18/2022</a:t>
+              <a:t>8/1/2022</a:t>
             </a:fld>
             <a:endParaRPr lang="en-US"/>
           </a:p>
@@ -2348,7 +2353,7 @@
           <a:p>
             <a:fld id="{A24D1F3A-D1EF-447E-A819-3BB187B73454}" type="datetimeFigureOut">
               <a:rPr lang="en-US" smtClean="0"/>
-              <a:t>7/18/2022</a:t>
+              <a:t>8/1/2022</a:t>
             </a:fld>
             <a:endParaRPr lang="en-US"/>
           </a:p>
@@ -2561,7 +2566,7 @@
           <a:p>
             <a:fld id="{A24D1F3A-D1EF-447E-A819-3BB187B73454}" type="datetimeFigureOut">
               <a:rPr lang="en-US" smtClean="0"/>
-              <a:t>7/18/2022</a:t>
+              <a:t>8/1/2022</a:t>
             </a:fld>
             <a:endParaRPr lang="en-US"/>
           </a:p>
@@ -5576,175 +5581,19 @@
           </a:fontRef>
         </p:style>
       </p:cxnSp>
-      <p:sp>
-        <p:nvSpPr>
-          <p:cNvPr id="147" name="CuadroTexto 146"/>
-          <p:cNvSpPr txBox="1"/>
-          <p:nvPr/>
-        </p:nvSpPr>
-        <p:spPr>
-          <a:xfrm>
-            <a:off x="9392662" y="6271294"/>
-            <a:ext cx="280846" cy="369332"/>
-          </a:xfrm>
-          <a:prstGeom prst="rect">
-            <a:avLst/>
-          </a:prstGeom>
-          <a:noFill/>
-        </p:spPr>
-        <p:txBody>
-          <a:bodyPr wrap="none" rtlCol="0">
-            <a:spAutoFit/>
-          </a:bodyPr>
-          <a:lstStyle/>
-          <a:p>
-            <a:r>
-              <a:rPr lang="es-ES" dirty="0" smtClean="0"/>
-              <a:t>“</a:t>
-            </a:r>
-            <a:endParaRPr lang="en-US" dirty="0"/>
-          </a:p>
-        </p:txBody>
-      </p:sp>
-      <p:sp>
-        <p:nvSpPr>
-          <p:cNvPr id="148" name="CuadroTexto 147"/>
-          <p:cNvSpPr txBox="1"/>
-          <p:nvPr/>
-        </p:nvSpPr>
-        <p:spPr>
-          <a:xfrm>
-            <a:off x="11610595" y="6276671"/>
-            <a:ext cx="280846" cy="369332"/>
-          </a:xfrm>
-          <a:prstGeom prst="rect">
-            <a:avLst/>
-          </a:prstGeom>
-          <a:noFill/>
-        </p:spPr>
-        <p:txBody>
-          <a:bodyPr wrap="none" rtlCol="0">
-            <a:spAutoFit/>
-          </a:bodyPr>
-          <a:lstStyle/>
-          <a:p>
-            <a:r>
-              <a:rPr lang="es-ES" dirty="0" smtClean="0"/>
-              <a:t>”</a:t>
-            </a:r>
-            <a:endParaRPr lang="en-US" dirty="0"/>
-          </a:p>
-        </p:txBody>
-      </p:sp>
-      <p:sp>
-        <p:nvSpPr>
-          <p:cNvPr id="149" name="CuadroTexto 148"/>
-          <p:cNvSpPr txBox="1"/>
-          <p:nvPr/>
-        </p:nvSpPr>
-        <p:spPr>
-          <a:xfrm>
-            <a:off x="9829401" y="6268397"/>
-            <a:ext cx="1632050" cy="369332"/>
-          </a:xfrm>
-          <a:prstGeom prst="rect">
-            <a:avLst/>
-          </a:prstGeom>
-          <a:noFill/>
-        </p:spPr>
-        <p:txBody>
-          <a:bodyPr wrap="none" rtlCol="0">
-            <a:spAutoFit/>
-          </a:bodyPr>
-          <a:lstStyle/>
-          <a:p>
-            <a:r>
-              <a:rPr lang="es-ES" dirty="0" err="1" smtClean="0"/>
-              <a:t>Opcion_default</a:t>
-            </a:r>
-            <a:endParaRPr lang="en-US" dirty="0"/>
-          </a:p>
-        </p:txBody>
-      </p:sp>
-      <p:cxnSp>
-        <p:nvCxnSpPr>
-          <p:cNvPr id="151" name="Conector recto 150"/>
-          <p:cNvCxnSpPr>
-            <a:stCxn id="116" idx="2"/>
-            <a:endCxn id="147" idx="0"/>
-          </p:cNvCxnSpPr>
-          <p:nvPr/>
-        </p:nvCxnSpPr>
-        <p:spPr>
-          <a:xfrm flipH="1">
-            <a:off x="9533085" y="4989010"/>
-            <a:ext cx="220755" cy="1282284"/>
-          </a:xfrm>
-          <a:prstGeom prst="line">
-            <a:avLst/>
-          </a:prstGeom>
-        </p:spPr>
-        <p:style>
-          <a:lnRef idx="1">
-            <a:schemeClr val="accent1"/>
-          </a:lnRef>
-          <a:fillRef idx="0">
-            <a:schemeClr val="accent1"/>
-          </a:fillRef>
-          <a:effectRef idx="0">
-            <a:schemeClr val="accent1"/>
-          </a:effectRef>
-          <a:fontRef idx="minor">
-            <a:schemeClr val="tx1"/>
-          </a:fontRef>
-        </p:style>
-      </p:cxnSp>
       <p:cxnSp>
         <p:nvCxnSpPr>
           <p:cNvPr id="153" name="Conector recto 152"/>
           <p:cNvCxnSpPr>
             <a:stCxn id="116" idx="2"/>
-            <a:endCxn id="149" idx="0"/>
+            <a:endCxn id="103" idx="0"/>
           </p:cNvCxnSpPr>
           <p:nvPr/>
         </p:nvCxnSpPr>
         <p:spPr>
           <a:xfrm>
             <a:off x="9753840" y="4989010"/>
-            <a:ext cx="891586" cy="1279387"/>
-          </a:xfrm>
-          <a:prstGeom prst="line">
-            <a:avLst/>
-          </a:prstGeom>
-        </p:spPr>
-        <p:style>
-          <a:lnRef idx="1">
-            <a:schemeClr val="accent1"/>
-          </a:lnRef>
-          <a:fillRef idx="0">
-            <a:schemeClr val="accent1"/>
-          </a:fillRef>
-          <a:effectRef idx="0">
-            <a:schemeClr val="accent1"/>
-          </a:effectRef>
-          <a:fontRef idx="minor">
-            <a:schemeClr val="tx1"/>
-          </a:fontRef>
-        </p:style>
-      </p:cxnSp>
-      <p:cxnSp>
-        <p:nvCxnSpPr>
-          <p:cNvPr id="155" name="Conector recto 154"/>
-          <p:cNvCxnSpPr>
-            <a:stCxn id="116" idx="2"/>
-            <a:endCxn id="148" idx="0"/>
-          </p:cNvCxnSpPr>
-          <p:nvPr/>
-        </p:nvCxnSpPr>
-        <p:spPr>
-          <a:xfrm>
-            <a:off x="9753840" y="4989010"/>
-            <a:ext cx="1997178" cy="1287661"/>
+            <a:ext cx="871436" cy="1282284"/>
           </a:xfrm>
           <a:prstGeom prst="line">
             <a:avLst/>
@@ -6421,6 +6270,70 @@
           <a:ln w="38100">
             <a:solidFill>
               <a:schemeClr val="accent6"/>
+            </a:solidFill>
+          </a:ln>
+        </p:spPr>
+        <p:style>
+          <a:lnRef idx="1">
+            <a:schemeClr val="accent1"/>
+          </a:lnRef>
+          <a:fillRef idx="0">
+            <a:schemeClr val="accent1"/>
+          </a:fillRef>
+          <a:effectRef idx="0">
+            <a:schemeClr val="accent1"/>
+          </a:effectRef>
+          <a:fontRef idx="minor">
+            <a:schemeClr val="tx1"/>
+          </a:fontRef>
+        </p:style>
+      </p:cxnSp>
+      <p:sp>
+        <p:nvSpPr>
+          <p:cNvPr id="103" name="Rectángulo 102"/>
+          <p:cNvSpPr/>
+          <p:nvPr/>
+        </p:nvSpPr>
+        <p:spPr>
+          <a:xfrm>
+            <a:off x="9684665" y="6271294"/>
+            <a:ext cx="1881222" cy="369332"/>
+          </a:xfrm>
+          <a:prstGeom prst="rect">
+            <a:avLst/>
+          </a:prstGeom>
+        </p:spPr>
+        <p:txBody>
+          <a:bodyPr wrap="square">
+            <a:spAutoFit/>
+          </a:bodyPr>
+          <a:lstStyle/>
+          <a:p>
+            <a:r>
+              <a:rPr lang="es-ES" dirty="0"/>
+              <a:t>STRING_LITERAL</a:t>
+            </a:r>
+            <a:endParaRPr lang="en-US" dirty="0"/>
+          </a:p>
+        </p:txBody>
+      </p:sp>
+      <p:cxnSp>
+        <p:nvCxnSpPr>
+          <p:cNvPr id="107" name="Conector recto 106"/>
+          <p:cNvCxnSpPr/>
+          <p:nvPr/>
+        </p:nvCxnSpPr>
+        <p:spPr>
+          <a:xfrm flipH="1">
+            <a:off x="10647694" y="6574481"/>
+            <a:ext cx="1" cy="236622"/>
+          </a:xfrm>
+          <a:prstGeom prst="line">
+            <a:avLst/>
+          </a:prstGeom>
+          <a:ln w="38100">
+            <a:solidFill>
+              <a:schemeClr val="accent2"/>
             </a:solidFill>
           </a:ln>
         </p:spPr>
@@ -6508,7 +6421,7 @@
         </p:nvCxnSpPr>
         <p:spPr>
           <a:xfrm flipH="1">
-            <a:off x="5430105" y="89266"/>
+            <a:off x="4820368" y="100986"/>
             <a:ext cx="1" cy="236622"/>
           </a:xfrm>
           <a:prstGeom prst="line">
@@ -6543,7 +6456,7 @@
         </p:nvCxnSpPr>
         <p:spPr>
           <a:xfrm flipH="1">
-            <a:off x="7749020" y="89266"/>
+            <a:off x="6669286" y="89266"/>
             <a:ext cx="1" cy="236622"/>
           </a:xfrm>
           <a:prstGeom prst="line">
@@ -6577,9 +6490,9 @@
           <p:nvPr/>
         </p:nvCxnSpPr>
         <p:spPr>
-          <a:xfrm flipH="1">
-            <a:off x="10438063" y="100986"/>
-            <a:ext cx="1" cy="236622"/>
+          <a:xfrm>
+            <a:off x="9348793" y="89266"/>
+            <a:ext cx="0" cy="236622"/>
           </a:xfrm>
           <a:prstGeom prst="line">
             <a:avLst/>
@@ -6613,7 +6526,7 @@
         </p:nvSpPr>
         <p:spPr>
           <a:xfrm>
-            <a:off x="6554641" y="1619892"/>
+            <a:off x="5600573" y="1631612"/>
             <a:ext cx="628698" cy="369332"/>
           </a:xfrm>
           <a:prstGeom prst="rect">
@@ -6643,7 +6556,7 @@
         </p:nvSpPr>
         <p:spPr>
           <a:xfrm>
-            <a:off x="7325196" y="1619892"/>
+            <a:off x="6245462" y="1619892"/>
             <a:ext cx="415498" cy="369332"/>
           </a:xfrm>
           <a:prstGeom prst="rect">
@@ -6673,7 +6586,7 @@
         </p:nvSpPr>
         <p:spPr>
           <a:xfrm>
-            <a:off x="9020605" y="1619892"/>
+            <a:off x="7940871" y="1619892"/>
             <a:ext cx="247184" cy="369332"/>
           </a:xfrm>
           <a:prstGeom prst="rect">
@@ -6703,7 +6616,7 @@
         </p:nvSpPr>
         <p:spPr>
           <a:xfrm>
-            <a:off x="8025670" y="1619892"/>
+            <a:off x="6945936" y="1619892"/>
             <a:ext cx="849656" cy="369332"/>
           </a:xfrm>
           <a:prstGeom prst="rect">
@@ -6726,214 +6639,13 @@
       </p:sp>
       <p:sp>
         <p:nvSpPr>
-          <p:cNvPr id="16" name="CuadroTexto 15"/>
-          <p:cNvSpPr txBox="1"/>
-          <p:nvPr/>
-        </p:nvSpPr>
-        <p:spPr>
-          <a:xfrm>
-            <a:off x="9429173" y="1628166"/>
-            <a:ext cx="280846" cy="369332"/>
-          </a:xfrm>
-          <a:prstGeom prst="rect">
-            <a:avLst/>
-          </a:prstGeom>
-          <a:noFill/>
-        </p:spPr>
-        <p:txBody>
-          <a:bodyPr wrap="none" rtlCol="0">
-            <a:spAutoFit/>
-          </a:bodyPr>
-          <a:lstStyle/>
-          <a:p>
-            <a:r>
-              <a:rPr lang="es-ES" dirty="0" smtClean="0"/>
-              <a:t>“</a:t>
-            </a:r>
-            <a:endParaRPr lang="en-US" dirty="0"/>
-          </a:p>
-        </p:txBody>
-      </p:sp>
-      <p:sp>
-        <p:nvSpPr>
-          <p:cNvPr id="17" name="CuadroTexto 16"/>
-          <p:cNvSpPr txBox="1"/>
-          <p:nvPr/>
-        </p:nvSpPr>
-        <p:spPr>
-          <a:xfrm>
-            <a:off x="11676481" y="1628166"/>
-            <a:ext cx="280846" cy="369332"/>
-          </a:xfrm>
-          <a:prstGeom prst="rect">
-            <a:avLst/>
-          </a:prstGeom>
-          <a:noFill/>
-        </p:spPr>
-        <p:txBody>
-          <a:bodyPr wrap="none" rtlCol="0">
-            <a:spAutoFit/>
-          </a:bodyPr>
-          <a:lstStyle/>
-          <a:p>
-            <a:r>
-              <a:rPr lang="es-ES" dirty="0" smtClean="0"/>
-              <a:t>”</a:t>
-            </a:r>
-            <a:endParaRPr lang="en-US" dirty="0"/>
-          </a:p>
-        </p:txBody>
-      </p:sp>
-      <p:sp>
-        <p:nvSpPr>
-          <p:cNvPr id="18" name="CuadroTexto 17"/>
-          <p:cNvSpPr txBox="1"/>
-          <p:nvPr/>
-        </p:nvSpPr>
-        <p:spPr>
-          <a:xfrm>
-            <a:off x="9895287" y="1619892"/>
-            <a:ext cx="1085554" cy="369332"/>
-          </a:xfrm>
-          <a:prstGeom prst="rect">
-            <a:avLst/>
-          </a:prstGeom>
-          <a:noFill/>
-        </p:spPr>
-        <p:txBody>
-          <a:bodyPr wrap="none" rtlCol="0">
-            <a:spAutoFit/>
-          </a:bodyPr>
-          <a:lstStyle/>
-          <a:p>
-            <a:r>
-              <a:rPr lang="es-ES" dirty="0" smtClean="0"/>
-              <a:t>Opcion_4</a:t>
-            </a:r>
-            <a:endParaRPr lang="en-US" dirty="0"/>
-          </a:p>
-        </p:txBody>
-      </p:sp>
-      <p:cxnSp>
-        <p:nvCxnSpPr>
-          <p:cNvPr id="19" name="Conector recto 18"/>
-          <p:cNvCxnSpPr>
-            <a:endCxn id="16" idx="0"/>
-          </p:cNvCxnSpPr>
-          <p:nvPr/>
-        </p:nvCxnSpPr>
-        <p:spPr>
-          <a:xfrm flipH="1">
-            <a:off x="9569596" y="325888"/>
-            <a:ext cx="868465" cy="1302278"/>
-          </a:xfrm>
-          <a:prstGeom prst="line">
-            <a:avLst/>
-          </a:prstGeom>
-          <a:ln>
-            <a:solidFill>
-              <a:schemeClr val="accent6"/>
-            </a:solidFill>
-          </a:ln>
-        </p:spPr>
-        <p:style>
-          <a:lnRef idx="1">
-            <a:schemeClr val="accent1"/>
-          </a:lnRef>
-          <a:fillRef idx="0">
-            <a:schemeClr val="accent1"/>
-          </a:fillRef>
-          <a:effectRef idx="0">
-            <a:schemeClr val="accent1"/>
-          </a:effectRef>
-          <a:fontRef idx="minor">
-            <a:schemeClr val="tx1"/>
-          </a:fontRef>
-        </p:style>
-      </p:cxnSp>
-      <p:cxnSp>
-        <p:nvCxnSpPr>
-          <p:cNvPr id="20" name="Conector recto 19"/>
-          <p:cNvCxnSpPr>
-            <a:endCxn id="18" idx="0"/>
-          </p:cNvCxnSpPr>
-          <p:nvPr/>
-        </p:nvCxnSpPr>
-        <p:spPr>
-          <a:xfrm>
-            <a:off x="10438062" y="325888"/>
-            <a:ext cx="2" cy="1294004"/>
-          </a:xfrm>
-          <a:prstGeom prst="line">
-            <a:avLst/>
-          </a:prstGeom>
-          <a:ln>
-            <a:solidFill>
-              <a:schemeClr val="accent6"/>
-            </a:solidFill>
-          </a:ln>
-        </p:spPr>
-        <p:style>
-          <a:lnRef idx="1">
-            <a:schemeClr val="accent1"/>
-          </a:lnRef>
-          <a:fillRef idx="0">
-            <a:schemeClr val="accent1"/>
-          </a:fillRef>
-          <a:effectRef idx="0">
-            <a:schemeClr val="accent1"/>
-          </a:effectRef>
-          <a:fontRef idx="minor">
-            <a:schemeClr val="tx1"/>
-          </a:fontRef>
-        </p:style>
-      </p:cxnSp>
-      <p:cxnSp>
-        <p:nvCxnSpPr>
-          <p:cNvPr id="21" name="Conector recto 20"/>
-          <p:cNvCxnSpPr>
-            <a:endCxn id="17" idx="0"/>
-          </p:cNvCxnSpPr>
-          <p:nvPr/>
-        </p:nvCxnSpPr>
-        <p:spPr>
-          <a:xfrm>
-            <a:off x="10438063" y="337608"/>
-            <a:ext cx="1378841" cy="1290558"/>
-          </a:xfrm>
-          <a:prstGeom prst="line">
-            <a:avLst/>
-          </a:prstGeom>
-          <a:ln>
-            <a:solidFill>
-              <a:schemeClr val="accent6"/>
-            </a:solidFill>
-          </a:ln>
-        </p:spPr>
-        <p:style>
-          <a:lnRef idx="1">
-            <a:schemeClr val="accent1"/>
-          </a:lnRef>
-          <a:fillRef idx="0">
-            <a:schemeClr val="accent1"/>
-          </a:fillRef>
-          <a:effectRef idx="0">
-            <a:schemeClr val="accent1"/>
-          </a:effectRef>
-          <a:fontRef idx="minor">
-            <a:schemeClr val="tx1"/>
-          </a:fontRef>
-        </p:style>
-      </p:cxnSp>
-      <p:sp>
-        <p:nvSpPr>
           <p:cNvPr id="35" name="CuadroTexto 34"/>
           <p:cNvSpPr txBox="1"/>
           <p:nvPr/>
         </p:nvSpPr>
         <p:spPr>
           <a:xfrm>
-            <a:off x="5013665" y="1628166"/>
+            <a:off x="4403928" y="1639886"/>
             <a:ext cx="832881" cy="369332"/>
           </a:xfrm>
           <a:prstGeom prst="rect">
@@ -7139,7 +6851,7 @@
         </p:nvCxnSpPr>
         <p:spPr>
           <a:xfrm flipH="1">
-            <a:off x="5416038" y="325888"/>
+            <a:off x="4806301" y="337608"/>
             <a:ext cx="10751" cy="1302278"/>
           </a:xfrm>
           <a:prstGeom prst="line">
@@ -7176,8 +6888,8 @@
         </p:nvCxnSpPr>
         <p:spPr>
           <a:xfrm flipH="1">
-            <a:off x="6868990" y="337608"/>
-            <a:ext cx="880030" cy="1282284"/>
+            <a:off x="5914922" y="337608"/>
+            <a:ext cx="754364" cy="1294004"/>
           </a:xfrm>
           <a:prstGeom prst="line">
             <a:avLst/>
@@ -7213,7 +6925,7 @@
         </p:nvCxnSpPr>
         <p:spPr>
           <a:xfrm flipH="1">
-            <a:off x="7532945" y="337608"/>
+            <a:off x="6453211" y="337608"/>
             <a:ext cx="216075" cy="1282284"/>
           </a:xfrm>
           <a:prstGeom prst="line">
@@ -7250,7 +6962,7 @@
         </p:nvCxnSpPr>
         <p:spPr>
           <a:xfrm>
-            <a:off x="7764721" y="337608"/>
+            <a:off x="6684987" y="337608"/>
             <a:ext cx="685777" cy="1282284"/>
           </a:xfrm>
           <a:prstGeom prst="line">
@@ -7287,7 +6999,7 @@
         </p:nvCxnSpPr>
         <p:spPr>
           <a:xfrm>
-            <a:off x="7767429" y="337608"/>
+            <a:off x="6687695" y="337608"/>
             <a:ext cx="1376768" cy="1282284"/>
           </a:xfrm>
           <a:prstGeom prst="line">
@@ -7508,202 +7220,13 @@
       </p:cxnSp>
       <p:sp>
         <p:nvSpPr>
-          <p:cNvPr id="73" name="CuadroTexto 72"/>
-          <p:cNvSpPr txBox="1"/>
-          <p:nvPr/>
-        </p:nvSpPr>
-        <p:spPr>
-          <a:xfrm>
-            <a:off x="7537888" y="2938718"/>
-            <a:ext cx="280846" cy="369332"/>
-          </a:xfrm>
-          <a:prstGeom prst="rect">
-            <a:avLst/>
-          </a:prstGeom>
-          <a:noFill/>
-        </p:spPr>
-        <p:txBody>
-          <a:bodyPr wrap="none" rtlCol="0">
-            <a:spAutoFit/>
-          </a:bodyPr>
-          <a:lstStyle/>
-          <a:p>
-            <a:r>
-              <a:rPr lang="es-ES" dirty="0" smtClean="0"/>
-              <a:t>“</a:t>
-            </a:r>
-            <a:endParaRPr lang="en-US" dirty="0"/>
-          </a:p>
-        </p:txBody>
-      </p:sp>
-      <p:sp>
-        <p:nvSpPr>
-          <p:cNvPr id="74" name="CuadroTexto 73"/>
-          <p:cNvSpPr txBox="1"/>
-          <p:nvPr/>
-        </p:nvSpPr>
-        <p:spPr>
-          <a:xfrm>
-            <a:off x="9498124" y="2938718"/>
-            <a:ext cx="280846" cy="369332"/>
-          </a:xfrm>
-          <a:prstGeom prst="rect">
-            <a:avLst/>
-          </a:prstGeom>
-          <a:noFill/>
-        </p:spPr>
-        <p:txBody>
-          <a:bodyPr wrap="none" rtlCol="0">
-            <a:spAutoFit/>
-          </a:bodyPr>
-          <a:lstStyle/>
-          <a:p>
-            <a:r>
-              <a:rPr lang="es-ES" dirty="0" smtClean="0"/>
-              <a:t>”</a:t>
-            </a:r>
-            <a:endParaRPr lang="en-US" dirty="0"/>
-          </a:p>
-        </p:txBody>
-      </p:sp>
-      <p:sp>
-        <p:nvSpPr>
-          <p:cNvPr id="75" name="CuadroTexto 74"/>
-          <p:cNvSpPr txBox="1"/>
-          <p:nvPr/>
-        </p:nvSpPr>
-        <p:spPr>
-          <a:xfrm>
-            <a:off x="8004002" y="2930444"/>
-            <a:ext cx="1085554" cy="369332"/>
-          </a:xfrm>
-          <a:prstGeom prst="rect">
-            <a:avLst/>
-          </a:prstGeom>
-          <a:noFill/>
-        </p:spPr>
-        <p:txBody>
-          <a:bodyPr wrap="none" rtlCol="0">
-            <a:spAutoFit/>
-          </a:bodyPr>
-          <a:lstStyle/>
-          <a:p>
-            <a:r>
-              <a:rPr lang="es-ES" dirty="0" smtClean="0"/>
-              <a:t>Opcion_3</a:t>
-            </a:r>
-            <a:endParaRPr lang="en-US" dirty="0"/>
-          </a:p>
-        </p:txBody>
-      </p:sp>
-      <p:cxnSp>
-        <p:nvCxnSpPr>
-          <p:cNvPr id="77" name="Conector recto 76"/>
-          <p:cNvCxnSpPr>
-            <a:stCxn id="11" idx="2"/>
-            <a:endCxn id="73" idx="0"/>
-          </p:cNvCxnSpPr>
-          <p:nvPr/>
-        </p:nvCxnSpPr>
-        <p:spPr>
-          <a:xfrm flipH="1">
-            <a:off x="7678311" y="1989224"/>
-            <a:ext cx="772187" cy="949494"/>
-          </a:xfrm>
-          <a:prstGeom prst="line">
-            <a:avLst/>
-          </a:prstGeom>
-        </p:spPr>
-        <p:style>
-          <a:lnRef idx="1">
-            <a:schemeClr val="accent1"/>
-          </a:lnRef>
-          <a:fillRef idx="0">
-            <a:schemeClr val="accent1"/>
-          </a:fillRef>
-          <a:effectRef idx="0">
-            <a:schemeClr val="accent1"/>
-          </a:effectRef>
-          <a:fontRef idx="minor">
-            <a:schemeClr val="tx1"/>
-          </a:fontRef>
-        </p:style>
-      </p:cxnSp>
-      <p:cxnSp>
-        <p:nvCxnSpPr>
-          <p:cNvPr id="79" name="Conector recto 78"/>
-          <p:cNvCxnSpPr>
-            <a:stCxn id="11" idx="2"/>
-            <a:endCxn id="74" idx="0"/>
-          </p:cNvCxnSpPr>
-          <p:nvPr/>
-        </p:nvCxnSpPr>
-        <p:spPr>
-          <a:xfrm>
-            <a:off x="8450498" y="1989224"/>
-            <a:ext cx="1188049" cy="949494"/>
-          </a:xfrm>
-          <a:prstGeom prst="line">
-            <a:avLst/>
-          </a:prstGeom>
-        </p:spPr>
-        <p:style>
-          <a:lnRef idx="1">
-            <a:schemeClr val="accent1"/>
-          </a:lnRef>
-          <a:fillRef idx="0">
-            <a:schemeClr val="accent1"/>
-          </a:fillRef>
-          <a:effectRef idx="0">
-            <a:schemeClr val="accent1"/>
-          </a:effectRef>
-          <a:fontRef idx="minor">
-            <a:schemeClr val="tx1"/>
-          </a:fontRef>
-        </p:style>
-      </p:cxnSp>
-      <p:cxnSp>
-        <p:nvCxnSpPr>
-          <p:cNvPr id="81" name="Conector recto 80"/>
-          <p:cNvCxnSpPr>
-            <a:stCxn id="11" idx="2"/>
-            <a:endCxn id="75" idx="0"/>
-          </p:cNvCxnSpPr>
-          <p:nvPr/>
-        </p:nvCxnSpPr>
-        <p:spPr>
-          <a:xfrm>
-            <a:off x="8450498" y="1989224"/>
-            <a:ext cx="96281" cy="941220"/>
-          </a:xfrm>
-          <a:prstGeom prst="line">
-            <a:avLst/>
-          </a:prstGeom>
-        </p:spPr>
-        <p:style>
-          <a:lnRef idx="1">
-            <a:schemeClr val="accent1"/>
-          </a:lnRef>
-          <a:fillRef idx="0">
-            <a:schemeClr val="accent1"/>
-          </a:fillRef>
-          <a:effectRef idx="0">
-            <a:schemeClr val="accent1"/>
-          </a:effectRef>
-          <a:fontRef idx="minor">
-            <a:schemeClr val="tx1"/>
-          </a:fontRef>
-        </p:style>
-      </p:cxnSp>
-      <p:sp>
-        <p:nvSpPr>
           <p:cNvPr id="82" name="CuadroTexto 81"/>
           <p:cNvSpPr txBox="1"/>
           <p:nvPr/>
         </p:nvSpPr>
         <p:spPr>
           <a:xfrm>
-            <a:off x="4284565" y="2938718"/>
+            <a:off x="3674828" y="2950438"/>
             <a:ext cx="628698" cy="369332"/>
           </a:xfrm>
           <a:prstGeom prst="rect">
@@ -7733,7 +7256,7 @@
         </p:nvSpPr>
         <p:spPr>
           <a:xfrm>
-            <a:off x="5055120" y="2938718"/>
+            <a:off x="4445383" y="2950438"/>
             <a:ext cx="415498" cy="369332"/>
           </a:xfrm>
           <a:prstGeom prst="rect">
@@ -7763,7 +7286,7 @@
         </p:nvSpPr>
         <p:spPr>
           <a:xfrm>
-            <a:off x="6750529" y="2938718"/>
+            <a:off x="6015126" y="2938718"/>
             <a:ext cx="247184" cy="369332"/>
           </a:xfrm>
           <a:prstGeom prst="rect">
@@ -7793,7 +7316,7 @@
         </p:nvSpPr>
         <p:spPr>
           <a:xfrm>
-            <a:off x="5755594" y="2938718"/>
+            <a:off x="5145857" y="2950438"/>
             <a:ext cx="849656" cy="369332"/>
           </a:xfrm>
           <a:prstGeom prst="rect">
@@ -7825,7 +7348,7 @@
         </p:nvCxnSpPr>
         <p:spPr>
           <a:xfrm flipH="1">
-            <a:off x="4598914" y="1997498"/>
+            <a:off x="3989177" y="2009218"/>
             <a:ext cx="831192" cy="941220"/>
           </a:xfrm>
           <a:prstGeom prst="line">
@@ -7863,7 +7386,7 @@
         </p:nvCxnSpPr>
         <p:spPr>
           <a:xfrm flipH="1">
-            <a:off x="5262869" y="1997498"/>
+            <a:off x="4653132" y="2009218"/>
             <a:ext cx="167237" cy="941220"/>
           </a:xfrm>
           <a:prstGeom prst="line">
@@ -7901,7 +7424,7 @@
         </p:nvCxnSpPr>
         <p:spPr>
           <a:xfrm>
-            <a:off x="5430106" y="1997498"/>
+            <a:off x="4820369" y="2009218"/>
             <a:ext cx="750316" cy="941220"/>
           </a:xfrm>
           <a:prstGeom prst="line">
@@ -7939,8 +7462,8 @@
         </p:nvCxnSpPr>
         <p:spPr>
           <a:xfrm>
-            <a:off x="5430106" y="1997498"/>
-            <a:ext cx="1444015" cy="941220"/>
+            <a:off x="4820369" y="2009218"/>
+            <a:ext cx="1318349" cy="929500"/>
           </a:xfrm>
           <a:prstGeom prst="line">
             <a:avLst/>
@@ -7974,7 +7497,7 @@
         </p:nvSpPr>
         <p:spPr>
           <a:xfrm>
-            <a:off x="2246167" y="2930444"/>
+            <a:off x="2048570" y="2930444"/>
             <a:ext cx="832881" cy="369332"/>
           </a:xfrm>
           <a:prstGeom prst="rect">
@@ -8008,7 +7531,7 @@
         <p:spPr>
           <a:xfrm>
             <a:off x="2459327" y="1989224"/>
-            <a:ext cx="203281" cy="941220"/>
+            <a:ext cx="5684" cy="941220"/>
           </a:xfrm>
           <a:prstGeom prst="line">
             <a:avLst/>
@@ -8042,7 +7565,7 @@
         </p:nvSpPr>
         <p:spPr>
           <a:xfrm>
-            <a:off x="1150524" y="4240996"/>
+            <a:off x="952927" y="4240996"/>
             <a:ext cx="628698" cy="369332"/>
           </a:xfrm>
           <a:prstGeom prst="rect">
@@ -8072,7 +7595,7 @@
         </p:nvSpPr>
         <p:spPr>
           <a:xfrm>
-            <a:off x="1921079" y="4240996"/>
+            <a:off x="1723482" y="4240996"/>
             <a:ext cx="415498" cy="369332"/>
           </a:xfrm>
           <a:prstGeom prst="rect">
@@ -8102,7 +7625,7 @@
         </p:nvSpPr>
         <p:spPr>
           <a:xfrm>
-            <a:off x="3616488" y="4240996"/>
+            <a:off x="3418891" y="4240996"/>
             <a:ext cx="247184" cy="369332"/>
           </a:xfrm>
           <a:prstGeom prst="rect">
@@ -8132,7 +7655,7 @@
         </p:nvSpPr>
         <p:spPr>
           <a:xfrm>
-            <a:off x="2621553" y="4240996"/>
+            <a:off x="2423956" y="4240996"/>
             <a:ext cx="849656" cy="369332"/>
           </a:xfrm>
           <a:prstGeom prst="rect">
@@ -8148,186 +7671,6 @@
             <a:r>
               <a:rPr lang="es-ES" dirty="0" smtClean="0"/>
               <a:t>SALIDA</a:t>
-            </a:r>
-            <a:endParaRPr lang="en-US" dirty="0"/>
-          </a:p>
-        </p:txBody>
-      </p:sp>
-      <p:sp>
-        <p:nvSpPr>
-          <p:cNvPr id="101" name="CuadroTexto 100"/>
-          <p:cNvSpPr txBox="1"/>
-          <p:nvPr/>
-        </p:nvSpPr>
-        <p:spPr>
-          <a:xfrm>
-            <a:off x="5171531" y="4240996"/>
-            <a:ext cx="280846" cy="369332"/>
-          </a:xfrm>
-          <a:prstGeom prst="rect">
-            <a:avLst/>
-          </a:prstGeom>
-          <a:noFill/>
-        </p:spPr>
-        <p:txBody>
-          <a:bodyPr wrap="none" rtlCol="0">
-            <a:spAutoFit/>
-          </a:bodyPr>
-          <a:lstStyle/>
-          <a:p>
-            <a:r>
-              <a:rPr lang="es-ES" dirty="0" smtClean="0"/>
-              <a:t>“</a:t>
-            </a:r>
-            <a:endParaRPr lang="en-US" dirty="0"/>
-          </a:p>
-        </p:txBody>
-      </p:sp>
-      <p:sp>
-        <p:nvSpPr>
-          <p:cNvPr id="102" name="CuadroTexto 101"/>
-          <p:cNvSpPr txBox="1"/>
-          <p:nvPr/>
-        </p:nvSpPr>
-        <p:spPr>
-          <a:xfrm>
-            <a:off x="7131767" y="4240996"/>
-            <a:ext cx="280846" cy="369332"/>
-          </a:xfrm>
-          <a:prstGeom prst="rect">
-            <a:avLst/>
-          </a:prstGeom>
-          <a:noFill/>
-        </p:spPr>
-        <p:txBody>
-          <a:bodyPr wrap="none" rtlCol="0">
-            <a:spAutoFit/>
-          </a:bodyPr>
-          <a:lstStyle/>
-          <a:p>
-            <a:r>
-              <a:rPr lang="es-ES" dirty="0" smtClean="0"/>
-              <a:t>”</a:t>
-            </a:r>
-            <a:endParaRPr lang="en-US" dirty="0"/>
-          </a:p>
-        </p:txBody>
-      </p:sp>
-      <p:sp>
-        <p:nvSpPr>
-          <p:cNvPr id="103" name="CuadroTexto 102"/>
-          <p:cNvSpPr txBox="1"/>
-          <p:nvPr/>
-        </p:nvSpPr>
-        <p:spPr>
-          <a:xfrm>
-            <a:off x="5637645" y="4232722"/>
-            <a:ext cx="1085554" cy="369332"/>
-          </a:xfrm>
-          <a:prstGeom prst="rect">
-            <a:avLst/>
-          </a:prstGeom>
-          <a:noFill/>
-        </p:spPr>
-        <p:txBody>
-          <a:bodyPr wrap="none" rtlCol="0">
-            <a:spAutoFit/>
-          </a:bodyPr>
-          <a:lstStyle/>
-          <a:p>
-            <a:r>
-              <a:rPr lang="es-ES" dirty="0" smtClean="0"/>
-              <a:t>Opcion_2</a:t>
-            </a:r>
-            <a:endParaRPr lang="en-US" dirty="0"/>
-          </a:p>
-        </p:txBody>
-      </p:sp>
-      <p:sp>
-        <p:nvSpPr>
-          <p:cNvPr id="104" name="CuadroTexto 103"/>
-          <p:cNvSpPr txBox="1"/>
-          <p:nvPr/>
-        </p:nvSpPr>
-        <p:spPr>
-          <a:xfrm>
-            <a:off x="1919541" y="5559822"/>
-            <a:ext cx="280846" cy="369332"/>
-          </a:xfrm>
-          <a:prstGeom prst="rect">
-            <a:avLst/>
-          </a:prstGeom>
-          <a:noFill/>
-        </p:spPr>
-        <p:txBody>
-          <a:bodyPr wrap="none" rtlCol="0">
-            <a:spAutoFit/>
-          </a:bodyPr>
-          <a:lstStyle/>
-          <a:p>
-            <a:r>
-              <a:rPr lang="es-ES" dirty="0" smtClean="0"/>
-              <a:t>“</a:t>
-            </a:r>
-            <a:endParaRPr lang="en-US" dirty="0"/>
-          </a:p>
-        </p:txBody>
-      </p:sp>
-      <p:sp>
-        <p:nvSpPr>
-          <p:cNvPr id="105" name="CuadroTexto 104"/>
-          <p:cNvSpPr txBox="1"/>
-          <p:nvPr/>
-        </p:nvSpPr>
-        <p:spPr>
-          <a:xfrm>
-            <a:off x="3879777" y="5559822"/>
-            <a:ext cx="280846" cy="369332"/>
-          </a:xfrm>
-          <a:prstGeom prst="rect">
-            <a:avLst/>
-          </a:prstGeom>
-          <a:noFill/>
-        </p:spPr>
-        <p:txBody>
-          <a:bodyPr wrap="none" rtlCol="0">
-            <a:spAutoFit/>
-          </a:bodyPr>
-          <a:lstStyle/>
-          <a:p>
-            <a:r>
-              <a:rPr lang="es-ES" dirty="0" smtClean="0"/>
-              <a:t>”</a:t>
-            </a:r>
-            <a:endParaRPr lang="en-US" dirty="0"/>
-          </a:p>
-        </p:txBody>
-      </p:sp>
-      <p:sp>
-        <p:nvSpPr>
-          <p:cNvPr id="106" name="CuadroTexto 105"/>
-          <p:cNvSpPr txBox="1"/>
-          <p:nvPr/>
-        </p:nvSpPr>
-        <p:spPr>
-          <a:xfrm>
-            <a:off x="2385655" y="5551548"/>
-            <a:ext cx="1085554" cy="369332"/>
-          </a:xfrm>
-          <a:prstGeom prst="rect">
-            <a:avLst/>
-          </a:prstGeom>
-          <a:noFill/>
-        </p:spPr>
-        <p:txBody>
-          <a:bodyPr wrap="none" rtlCol="0">
-            <a:spAutoFit/>
-          </a:bodyPr>
-          <a:lstStyle/>
-          <a:p>
-            <a:r>
-              <a:rPr lang="es-ES" dirty="0" smtClean="0"/>
-              <a:t>Opcion_1</a:t>
             </a:r>
             <a:endParaRPr lang="en-US" dirty="0"/>
           </a:p>
@@ -8344,7 +7687,7 @@
         </p:nvCxnSpPr>
         <p:spPr>
           <a:xfrm flipH="1">
-            <a:off x="1464873" y="3299776"/>
+            <a:off x="1267276" y="3299776"/>
             <a:ext cx="1197735" cy="941220"/>
           </a:xfrm>
           <a:prstGeom prst="line">
@@ -8382,7 +7725,7 @@
         </p:nvCxnSpPr>
         <p:spPr>
           <a:xfrm flipH="1">
-            <a:off x="2128828" y="3299776"/>
+            <a:off x="1931231" y="3299776"/>
             <a:ext cx="533780" cy="941220"/>
           </a:xfrm>
           <a:prstGeom prst="line">
@@ -8420,7 +7763,7 @@
         </p:nvCxnSpPr>
         <p:spPr>
           <a:xfrm>
-            <a:off x="2662608" y="3299776"/>
+            <a:off x="2465011" y="3299776"/>
             <a:ext cx="383773" cy="941220"/>
           </a:xfrm>
           <a:prstGeom prst="line">
@@ -8458,7 +7801,7 @@
         </p:nvCxnSpPr>
         <p:spPr>
           <a:xfrm>
-            <a:off x="2662608" y="3299776"/>
+            <a:off x="2465011" y="3299776"/>
             <a:ext cx="1077472" cy="941220"/>
           </a:xfrm>
           <a:prstGeom prst="line">
@@ -8485,23 +7828,264 @@
           </a:fontRef>
         </p:style>
       </p:cxnSp>
+      <p:sp>
+        <p:nvSpPr>
+          <p:cNvPr id="78" name="CuadroTexto 77"/>
+          <p:cNvSpPr txBox="1"/>
+          <p:nvPr/>
+        </p:nvSpPr>
+        <p:spPr>
+          <a:xfrm>
+            <a:off x="2211077" y="6263748"/>
+            <a:ext cx="1275414" cy="369332"/>
+          </a:xfrm>
+          <a:prstGeom prst="rect">
+            <a:avLst/>
+          </a:prstGeom>
+          <a:noFill/>
+        </p:spPr>
+        <p:txBody>
+          <a:bodyPr wrap="none" rtlCol="0">
+            <a:spAutoFit/>
+          </a:bodyPr>
+          <a:lstStyle/>
+          <a:p>
+            <a:r>
+              <a:rPr lang="es-ES" dirty="0" smtClean="0"/>
+              <a:t>“Opcion_1”</a:t>
+            </a:r>
+            <a:endParaRPr lang="en-US" dirty="0"/>
+          </a:p>
+        </p:txBody>
+      </p:sp>
+      <p:sp>
+        <p:nvSpPr>
+          <p:cNvPr id="80" name="Rectángulo 79"/>
+          <p:cNvSpPr/>
+          <p:nvPr/>
+        </p:nvSpPr>
+        <p:spPr>
+          <a:xfrm>
+            <a:off x="1908173" y="5322528"/>
+            <a:ext cx="1881222" cy="369332"/>
+          </a:xfrm>
+          <a:prstGeom prst="rect">
+            <a:avLst/>
+          </a:prstGeom>
+        </p:spPr>
+        <p:txBody>
+          <a:bodyPr wrap="square">
+            <a:spAutoFit/>
+          </a:bodyPr>
+          <a:lstStyle/>
+          <a:p>
+            <a:r>
+              <a:rPr lang="es-ES" dirty="0"/>
+              <a:t>STRING_LITERAL</a:t>
+            </a:r>
+            <a:endParaRPr lang="en-US" dirty="0"/>
+          </a:p>
+        </p:txBody>
+      </p:sp>
+      <p:sp>
+        <p:nvSpPr>
+          <p:cNvPr id="86" name="CuadroTexto 85"/>
+          <p:cNvSpPr txBox="1"/>
+          <p:nvPr/>
+        </p:nvSpPr>
+        <p:spPr>
+          <a:xfrm>
+            <a:off x="4961822" y="5334248"/>
+            <a:ext cx="1275414" cy="369332"/>
+          </a:xfrm>
+          <a:prstGeom prst="rect">
+            <a:avLst/>
+          </a:prstGeom>
+          <a:noFill/>
+        </p:spPr>
+        <p:txBody>
+          <a:bodyPr wrap="none" rtlCol="0">
+            <a:spAutoFit/>
+          </a:bodyPr>
+          <a:lstStyle/>
+          <a:p>
+            <a:r>
+              <a:rPr lang="es-ES" dirty="0" smtClean="0"/>
+              <a:t>“Opcion_2”</a:t>
+            </a:r>
+            <a:endParaRPr lang="en-US" dirty="0"/>
+          </a:p>
+        </p:txBody>
+      </p:sp>
+      <p:sp>
+        <p:nvSpPr>
+          <p:cNvPr id="88" name="Rectángulo 87"/>
+          <p:cNvSpPr/>
+          <p:nvPr/>
+        </p:nvSpPr>
+        <p:spPr>
+          <a:xfrm>
+            <a:off x="4658918" y="4252716"/>
+            <a:ext cx="1881222" cy="369332"/>
+          </a:xfrm>
+          <a:prstGeom prst="rect">
+            <a:avLst/>
+          </a:prstGeom>
+        </p:spPr>
+        <p:txBody>
+          <a:bodyPr wrap="square">
+            <a:spAutoFit/>
+          </a:bodyPr>
+          <a:lstStyle/>
+          <a:p>
+            <a:r>
+              <a:rPr lang="es-ES" dirty="0"/>
+              <a:t>STRING_LITERAL</a:t>
+            </a:r>
+            <a:endParaRPr lang="en-US" dirty="0"/>
+          </a:p>
+        </p:txBody>
+      </p:sp>
+      <p:sp>
+        <p:nvSpPr>
+          <p:cNvPr id="90" name="CuadroTexto 89"/>
+          <p:cNvSpPr txBox="1"/>
+          <p:nvPr/>
+        </p:nvSpPr>
+        <p:spPr>
+          <a:xfrm>
+            <a:off x="6780611" y="4238689"/>
+            <a:ext cx="1275414" cy="369332"/>
+          </a:xfrm>
+          <a:prstGeom prst="rect">
+            <a:avLst/>
+          </a:prstGeom>
+          <a:noFill/>
+        </p:spPr>
+        <p:txBody>
+          <a:bodyPr wrap="none" rtlCol="0">
+            <a:spAutoFit/>
+          </a:bodyPr>
+          <a:lstStyle/>
+          <a:p>
+            <a:r>
+              <a:rPr lang="es-ES" dirty="0" smtClean="0"/>
+              <a:t>“Opcion_3”</a:t>
+            </a:r>
+            <a:endParaRPr lang="en-US" dirty="0"/>
+          </a:p>
+        </p:txBody>
+      </p:sp>
+      <p:sp>
+        <p:nvSpPr>
+          <p:cNvPr id="92" name="Rectángulo 91"/>
+          <p:cNvSpPr/>
+          <p:nvPr/>
+        </p:nvSpPr>
+        <p:spPr>
+          <a:xfrm>
+            <a:off x="6477707" y="2945610"/>
+            <a:ext cx="1881222" cy="369332"/>
+          </a:xfrm>
+          <a:prstGeom prst="rect">
+            <a:avLst/>
+          </a:prstGeom>
+        </p:spPr>
+        <p:txBody>
+          <a:bodyPr wrap="square">
+            <a:spAutoFit/>
+          </a:bodyPr>
+          <a:lstStyle/>
+          <a:p>
+            <a:r>
+              <a:rPr lang="es-ES" dirty="0"/>
+              <a:t>STRING_LITERAL</a:t>
+            </a:r>
+            <a:endParaRPr lang="en-US" dirty="0"/>
+          </a:p>
+        </p:txBody>
+      </p:sp>
+      <p:sp>
+        <p:nvSpPr>
+          <p:cNvPr id="95" name="CuadroTexto 94"/>
+          <p:cNvSpPr txBox="1"/>
+          <p:nvPr/>
+        </p:nvSpPr>
+        <p:spPr>
+          <a:xfrm>
+            <a:off x="8784679" y="2918724"/>
+            <a:ext cx="1275414" cy="369332"/>
+          </a:xfrm>
+          <a:prstGeom prst="rect">
+            <a:avLst/>
+          </a:prstGeom>
+          <a:noFill/>
+        </p:spPr>
+        <p:txBody>
+          <a:bodyPr wrap="square" rtlCol="0">
+            <a:spAutoFit/>
+          </a:bodyPr>
+          <a:lstStyle/>
+          <a:p>
+            <a:r>
+              <a:rPr lang="es-ES" dirty="0" smtClean="0"/>
+              <a:t>“Opcion_4”</a:t>
+            </a:r>
+            <a:endParaRPr lang="en-US" dirty="0"/>
+          </a:p>
+        </p:txBody>
+      </p:sp>
+      <p:sp>
+        <p:nvSpPr>
+          <p:cNvPr id="107" name="Rectángulo 106"/>
+          <p:cNvSpPr/>
+          <p:nvPr/>
+        </p:nvSpPr>
+        <p:spPr>
+          <a:xfrm>
+            <a:off x="8458130" y="1608172"/>
+            <a:ext cx="1881222" cy="369332"/>
+          </a:xfrm>
+          <a:prstGeom prst="rect">
+            <a:avLst/>
+          </a:prstGeom>
+        </p:spPr>
+        <p:txBody>
+          <a:bodyPr wrap="square">
+            <a:spAutoFit/>
+          </a:bodyPr>
+          <a:lstStyle/>
+          <a:p>
+            <a:r>
+              <a:rPr lang="es-ES" dirty="0"/>
+              <a:t>STRING_LITERAL</a:t>
+            </a:r>
+            <a:endParaRPr lang="en-US" dirty="0"/>
+          </a:p>
+        </p:txBody>
+      </p:sp>
       <p:cxnSp>
         <p:nvCxnSpPr>
-          <p:cNvPr id="116" name="Conector recto 115"/>
+          <p:cNvPr id="12" name="Conector recto 11"/>
           <p:cNvCxnSpPr>
-            <a:stCxn id="85" idx="2"/>
-            <a:endCxn id="101" idx="0"/>
+            <a:stCxn id="100" idx="2"/>
+            <a:endCxn id="80" idx="0"/>
           </p:cNvCxnSpPr>
           <p:nvPr/>
         </p:nvCxnSpPr>
         <p:spPr>
-          <a:xfrm flipH="1">
-            <a:off x="5311954" y="3308050"/>
-            <a:ext cx="868468" cy="932946"/>
+          <a:xfrm>
+            <a:off x="2848784" y="4610328"/>
+            <a:ext cx="0" cy="712200"/>
           </a:xfrm>
           <a:prstGeom prst="line">
             <a:avLst/>
           </a:prstGeom>
+          <a:ln>
+            <a:solidFill>
+              <a:schemeClr val="accent6"/>
+            </a:solidFill>
+          </a:ln>
         </p:spPr>
         <p:style>
           <a:lnRef idx="1">
@@ -8520,17 +8104,17 @@
       </p:cxnSp>
       <p:cxnSp>
         <p:nvCxnSpPr>
-          <p:cNvPr id="118" name="Conector recto 117"/>
+          <p:cNvPr id="14" name="Conector recto 13"/>
           <p:cNvCxnSpPr>
-            <a:stCxn id="85" idx="2"/>
-            <a:endCxn id="103" idx="0"/>
+            <a:stCxn id="80" idx="2"/>
+            <a:endCxn id="78" idx="0"/>
           </p:cNvCxnSpPr>
           <p:nvPr/>
         </p:nvCxnSpPr>
         <p:spPr>
           <a:xfrm>
-            <a:off x="6180422" y="3308050"/>
-            <a:ext cx="0" cy="924672"/>
+            <a:off x="2848784" y="5691860"/>
+            <a:ext cx="0" cy="571888"/>
           </a:xfrm>
           <a:prstGeom prst="line">
             <a:avLst/>
@@ -8553,21 +8137,26 @@
       </p:cxnSp>
       <p:cxnSp>
         <p:nvCxnSpPr>
-          <p:cNvPr id="120" name="Conector recto 119"/>
+          <p:cNvPr id="24" name="Conector recto 23"/>
           <p:cNvCxnSpPr>
             <a:stCxn id="85" idx="2"/>
-            <a:endCxn id="102" idx="0"/>
+            <a:endCxn id="88" idx="0"/>
           </p:cNvCxnSpPr>
           <p:nvPr/>
         </p:nvCxnSpPr>
         <p:spPr>
           <a:xfrm>
-            <a:off x="6180422" y="3308050"/>
-            <a:ext cx="1091768" cy="932946"/>
+            <a:off x="5570685" y="3319770"/>
+            <a:ext cx="28844" cy="932946"/>
           </a:xfrm>
           <a:prstGeom prst="line">
             <a:avLst/>
           </a:prstGeom>
+          <a:ln>
+            <a:solidFill>
+              <a:schemeClr val="accent4"/>
+            </a:solidFill>
+          </a:ln>
         </p:spPr>
         <p:style>
           <a:lnRef idx="1">
@@ -8586,17 +8175,88 @@
       </p:cxnSp>
       <p:cxnSp>
         <p:nvCxnSpPr>
-          <p:cNvPr id="122" name="Conector recto 121"/>
+          <p:cNvPr id="26" name="Conector recto 25"/>
           <p:cNvCxnSpPr>
-            <a:stCxn id="100" idx="2"/>
-            <a:endCxn id="104" idx="0"/>
+            <a:stCxn id="88" idx="2"/>
+            <a:endCxn id="86" idx="0"/>
           </p:cNvCxnSpPr>
           <p:nvPr/>
         </p:nvCxnSpPr>
         <p:spPr>
-          <a:xfrm flipH="1">
-            <a:off x="2059964" y="4610328"/>
-            <a:ext cx="986417" cy="949494"/>
+          <a:xfrm>
+            <a:off x="5599529" y="4622048"/>
+            <a:ext cx="0" cy="712200"/>
+          </a:xfrm>
+          <a:prstGeom prst="line">
+            <a:avLst/>
+          </a:prstGeom>
+        </p:spPr>
+        <p:style>
+          <a:lnRef idx="1">
+            <a:schemeClr val="accent1"/>
+          </a:lnRef>
+          <a:fillRef idx="0">
+            <a:schemeClr val="accent1"/>
+          </a:fillRef>
+          <a:effectRef idx="0">
+            <a:schemeClr val="accent1"/>
+          </a:effectRef>
+          <a:fontRef idx="minor">
+            <a:schemeClr val="tx1"/>
+          </a:fontRef>
+        </p:style>
+      </p:cxnSp>
+      <p:cxnSp>
+        <p:nvCxnSpPr>
+          <p:cNvPr id="29" name="Conector recto 28"/>
+          <p:cNvCxnSpPr>
+            <a:stCxn id="11" idx="2"/>
+            <a:endCxn id="92" idx="0"/>
+          </p:cNvCxnSpPr>
+          <p:nvPr/>
+        </p:nvCxnSpPr>
+        <p:spPr>
+          <a:xfrm>
+            <a:off x="7370764" y="1989224"/>
+            <a:ext cx="47554" cy="956386"/>
+          </a:xfrm>
+          <a:prstGeom prst="line">
+            <a:avLst/>
+          </a:prstGeom>
+          <a:ln>
+            <a:solidFill>
+              <a:schemeClr val="accent2"/>
+            </a:solidFill>
+          </a:ln>
+        </p:spPr>
+        <p:style>
+          <a:lnRef idx="1">
+            <a:schemeClr val="accent1"/>
+          </a:lnRef>
+          <a:fillRef idx="0">
+            <a:schemeClr val="accent1"/>
+          </a:fillRef>
+          <a:effectRef idx="0">
+            <a:schemeClr val="accent1"/>
+          </a:effectRef>
+          <a:fontRef idx="minor">
+            <a:schemeClr val="tx1"/>
+          </a:fontRef>
+        </p:style>
+      </p:cxnSp>
+      <p:cxnSp>
+        <p:nvCxnSpPr>
+          <p:cNvPr id="31" name="Conector recto 30"/>
+          <p:cNvCxnSpPr>
+            <a:stCxn id="92" idx="2"/>
+            <a:endCxn id="90" idx="0"/>
+          </p:cNvCxnSpPr>
+          <p:nvPr/>
+        </p:nvCxnSpPr>
+        <p:spPr>
+          <a:xfrm>
+            <a:off x="7418318" y="3314942"/>
+            <a:ext cx="0" cy="923747"/>
           </a:xfrm>
           <a:prstGeom prst="line">
             <a:avLst/>
@@ -8624,17 +8284,16 @@
       </p:cxnSp>
       <p:cxnSp>
         <p:nvCxnSpPr>
-          <p:cNvPr id="124" name="Conector recto 123"/>
+          <p:cNvPr id="45" name="Conector recto 44"/>
           <p:cNvCxnSpPr>
-            <a:stCxn id="100" idx="2"/>
-            <a:endCxn id="106" idx="0"/>
+            <a:endCxn id="107" idx="0"/>
           </p:cNvCxnSpPr>
           <p:nvPr/>
         </p:nvCxnSpPr>
         <p:spPr>
-          <a:xfrm flipH="1">
-            <a:off x="2928432" y="4610328"/>
-            <a:ext cx="117949" cy="941220"/>
+          <a:xfrm>
+            <a:off x="9348793" y="318861"/>
+            <a:ext cx="49948" cy="1289311"/>
           </a:xfrm>
           <a:prstGeom prst="line">
             <a:avLst/>
@@ -8662,24 +8321,24 @@
       </p:cxnSp>
       <p:cxnSp>
         <p:nvCxnSpPr>
-          <p:cNvPr id="126" name="Conector recto 125"/>
+          <p:cNvPr id="52" name="Conector recto 51"/>
           <p:cNvCxnSpPr>
-            <a:stCxn id="100" idx="2"/>
-            <a:endCxn id="105" idx="0"/>
+            <a:stCxn id="107" idx="2"/>
+            <a:endCxn id="95" idx="0"/>
           </p:cNvCxnSpPr>
           <p:nvPr/>
         </p:nvCxnSpPr>
         <p:spPr>
           <a:xfrm>
-            <a:off x="3046381" y="4610328"/>
-            <a:ext cx="973819" cy="949494"/>
+            <a:off x="9398741" y="1977504"/>
+            <a:ext cx="23645" cy="941220"/>
           </a:xfrm>
           <a:prstGeom prst="line">
             <a:avLst/>
           </a:prstGeom>
           <a:ln>
             <a:solidFill>
-              <a:schemeClr val="accent6"/>
+              <a:schemeClr val="accent2"/>
             </a:solidFill>
           </a:ln>
         </p:spPr>
@@ -8698,6 +8357,108 @@
           </a:fontRef>
         </p:style>
       </p:cxnSp>
+      <p:cxnSp>
+        <p:nvCxnSpPr>
+          <p:cNvPr id="111" name="Conector recto 110"/>
+          <p:cNvCxnSpPr/>
+          <p:nvPr/>
+        </p:nvCxnSpPr>
+        <p:spPr>
+          <a:xfrm flipH="1">
+            <a:off x="11171944" y="100986"/>
+            <a:ext cx="1" cy="236622"/>
+          </a:xfrm>
+          <a:prstGeom prst="line">
+            <a:avLst/>
+          </a:prstGeom>
+          <a:ln w="38100">
+            <a:solidFill>
+              <a:schemeClr val="accent2"/>
+            </a:solidFill>
+          </a:ln>
+        </p:spPr>
+        <p:style>
+          <a:lnRef idx="1">
+            <a:schemeClr val="accent1"/>
+          </a:lnRef>
+          <a:fillRef idx="0">
+            <a:schemeClr val="accent1"/>
+          </a:fillRef>
+          <a:effectRef idx="0">
+            <a:schemeClr val="accent1"/>
+          </a:effectRef>
+          <a:fontRef idx="minor">
+            <a:schemeClr val="tx1"/>
+          </a:fontRef>
+        </p:style>
+      </p:cxnSp>
+      <p:cxnSp>
+        <p:nvCxnSpPr>
+          <p:cNvPr id="113" name="Conector recto 112"/>
+          <p:cNvCxnSpPr>
+            <a:endCxn id="115" idx="0"/>
+          </p:cNvCxnSpPr>
+          <p:nvPr/>
+        </p:nvCxnSpPr>
+        <p:spPr>
+          <a:xfrm>
+            <a:off x="11168869" y="332337"/>
+            <a:ext cx="61146" cy="1287555"/>
+          </a:xfrm>
+          <a:prstGeom prst="line">
+            <a:avLst/>
+          </a:prstGeom>
+          <a:ln>
+            <a:solidFill>
+              <a:schemeClr val="accent2"/>
+            </a:solidFill>
+          </a:ln>
+        </p:spPr>
+        <p:style>
+          <a:lnRef idx="1">
+            <a:schemeClr val="accent1"/>
+          </a:lnRef>
+          <a:fillRef idx="0">
+            <a:schemeClr val="accent1"/>
+          </a:fillRef>
+          <a:effectRef idx="0">
+            <a:schemeClr val="accent1"/>
+          </a:effectRef>
+          <a:fontRef idx="minor">
+            <a:schemeClr val="tx1"/>
+          </a:fontRef>
+        </p:style>
+      </p:cxnSp>
+      <p:sp>
+        <p:nvSpPr>
+          <p:cNvPr id="115" name="CuadroTexto 114"/>
+          <p:cNvSpPr txBox="1"/>
+          <p:nvPr/>
+        </p:nvSpPr>
+        <p:spPr>
+          <a:xfrm>
+            <a:off x="10315202" y="1619892"/>
+            <a:ext cx="1829625" cy="369332"/>
+          </a:xfrm>
+          <a:prstGeom prst="rect">
+            <a:avLst/>
+          </a:prstGeom>
+          <a:noFill/>
+        </p:spPr>
+        <p:txBody>
+          <a:bodyPr wrap="square" rtlCol="0">
+            <a:spAutoFit/>
+          </a:bodyPr>
+          <a:lstStyle/>
+          <a:p>
+            <a:r>
+              <a:rPr lang="es-ES" dirty="0" smtClean="0"/>
+              <a:t>“Opcion_default”</a:t>
+            </a:r>
+            <a:endParaRPr lang="en-US" dirty="0"/>
+          </a:p>
+        </p:txBody>
+      </p:sp>
     </p:spTree>
     <p:extLst>
       <p:ext uri="{BB962C8B-B14F-4D97-AF65-F5344CB8AC3E}">
